--- a/SE489/Lectures/10-Case Study/DevOps at Netflix.pptx
+++ b/SE489/Lectures/10-Case Study/DevOps at Netflix.pptx
@@ -356,7 +356,7 @@
           <a:p>
             <a:fld id="{41DA9887-9249-49FD-809A-BACB264048C3}" type="datetimeFigureOut">
               <a:rPr lang="en-US" smtClean="0"/>
-              <a:t>11/27/2022</a:t>
+              <a:t>12/6/2022</a:t>
             </a:fld>
             <a:endParaRPr lang="en-US"/>
           </a:p>
@@ -758,7 +758,7 @@
           <a:p>
             <a:fld id="{62409692-9E1F-4417-9FDC-28FD860772BA}" type="datetime1">
               <a:rPr lang="en-US" smtClean="0"/>
-              <a:t>11/27/2022</a:t>
+              <a:t>12/6/2022</a:t>
             </a:fld>
             <a:endParaRPr lang="en-US"/>
           </a:p>
@@ -1048,7 +1048,7 @@
           <a:p>
             <a:fld id="{3759120C-6D0F-4078-8599-F2CF6B612054}" type="datetime1">
               <a:rPr lang="en-US" smtClean="0"/>
-              <a:t>11/27/2022</a:t>
+              <a:t>12/6/2022</a:t>
             </a:fld>
             <a:endParaRPr lang="en-US"/>
           </a:p>
@@ -1226,7 +1226,7 @@
           <a:p>
             <a:fld id="{274BA76B-C2E7-436F-838E-CCE98B941269}" type="datetime1">
               <a:rPr lang="en-US" smtClean="0"/>
-              <a:t>11/27/2022</a:t>
+              <a:t>12/6/2022</a:t>
             </a:fld>
             <a:endParaRPr lang="en-US"/>
           </a:p>
@@ -1480,7 +1480,7 @@
           <a:p>
             <a:fld id="{91539010-A2DC-4640-9A6E-07FDADA3843F}" type="datetime1">
               <a:rPr lang="en-US" smtClean="0"/>
-              <a:t>11/27/2022</a:t>
+              <a:t>12/6/2022</a:t>
             </a:fld>
             <a:endParaRPr lang="en-US"/>
           </a:p>
@@ -1824,7 +1824,7 @@
           <a:p>
             <a:fld id="{2BB96782-49B7-474B-993C-B8A949D6D3C1}" type="datetime1">
               <a:rPr lang="en-US" smtClean="0"/>
-              <a:t>11/27/2022</a:t>
+              <a:t>12/6/2022</a:t>
             </a:fld>
             <a:endParaRPr lang="en-US"/>
           </a:p>
@@ -2053,7 +2053,7 @@
           <a:p>
             <a:fld id="{C92E6ED4-6F5C-4CE3-B9D0-240943F7D8C1}" type="datetime1">
               <a:rPr lang="en-US" smtClean="0"/>
-              <a:t>11/27/2022</a:t>
+              <a:t>12/6/2022</a:t>
             </a:fld>
             <a:endParaRPr lang="en-US"/>
           </a:p>
@@ -2417,7 +2417,7 @@
           <a:p>
             <a:fld id="{7B146998-C36D-4568-B909-3630A1F4193D}" type="datetime1">
               <a:rPr lang="en-US" smtClean="0"/>
-              <a:t>11/27/2022</a:t>
+              <a:t>12/6/2022</a:t>
             </a:fld>
             <a:endParaRPr lang="en-US"/>
           </a:p>
@@ -2512,7 +2512,7 @@
           <a:p>
             <a:fld id="{1DA09B30-286A-4F70-853F-99E1E863911D}" type="datetime1">
               <a:rPr lang="en-US" smtClean="0"/>
-              <a:t>11/27/2022</a:t>
+              <a:t>12/6/2022</a:t>
             </a:fld>
             <a:endParaRPr lang="en-US"/>
           </a:p>
@@ -2734,7 +2734,7 @@
             <a:fld id="{B2F5E2FA-C428-4CE7-95B0-168D3259A5BB}" type="datetimeFigureOut">
               <a:rPr lang="en-US" smtClean="0"/>
               <a:pPr/>
-              <a:t>11/27/2022</a:t>
+              <a:t>12/6/2022</a:t>
             </a:fld>
             <a:endParaRPr lang="en-US"/>
           </a:p>
@@ -2905,7 +2905,7 @@
           <a:p>
             <a:fld id="{016EDA43-DE07-413F-A52E-7F39950A760D}" type="datetime1">
               <a:rPr lang="en-US" smtClean="0"/>
-              <a:t>11/27/2022</a:t>
+              <a:t>12/6/2022</a:t>
             </a:fld>
             <a:endParaRPr lang="en-US"/>
           </a:p>
@@ -3180,7 +3180,7 @@
           <a:p>
             <a:fld id="{43074BFE-F23F-4B5A-9D9A-CE7A85C57D41}" type="datetime1">
               <a:rPr lang="en-US" smtClean="0"/>
-              <a:t>11/27/2022</a:t>
+              <a:t>12/6/2022</a:t>
             </a:fld>
             <a:endParaRPr lang="en-US"/>
           </a:p>
@@ -3432,7 +3432,7 @@
           <a:p>
             <a:fld id="{82B0EFD5-20F4-4C95-9824-2DD3D81EA01D}" type="datetime1">
               <a:rPr lang="en-US" smtClean="0"/>
-              <a:t>11/27/2022</a:t>
+              <a:t>12/6/2022</a:t>
             </a:fld>
             <a:endParaRPr lang="en-US"/>
           </a:p>
@@ -3643,7 +3643,7 @@
           <a:p>
             <a:fld id="{DD23BD57-F54E-4EE9-8949-AA3A114346D5}" type="datetime1">
               <a:rPr lang="en-US" smtClean="0"/>
-              <a:t>11/27/2022</a:t>
+              <a:t>12/6/2022</a:t>
             </a:fld>
             <a:endParaRPr lang="en-US"/>
           </a:p>
@@ -4068,7 +4068,6 @@
               <a:rPr lang="en-US" dirty="0"/>
               <a:t>DevOps at Netflix</a:t>
             </a:r>
-            <a:endParaRPr lang="en-US" dirty="0"/>
           </a:p>
         </p:txBody>
       </p:sp>
@@ -4127,6 +4126,13 @@
   <p:clrMapOvr>
     <a:masterClrMapping/>
   </p:clrMapOvr>
+  <p:timing>
+    <p:tnLst>
+      <p:par>
+        <p:cTn id="1" dur="indefinite" restart="never" nodeType="tmRoot"/>
+      </p:par>
+    </p:tnLst>
+  </p:timing>
 </p:sld>
 </file>
 
@@ -4379,8 +4385,20 @@
           </a:p>
           <a:p>
             <a:r>
-              <a:rPr lang="en-US" dirty="0"/>
-              <a:t>And it handled all of the above with 0 Network Ops Centers and some 70 operations engineers, who were all software engineers focusing on writing tools that enabled other software developers to focus on things they were good at.</a:t>
+              <a:rPr lang="en-US" dirty="0" smtClean="0"/>
+              <a:t>It </a:t>
+            </a:r>
+            <a:r>
+              <a:rPr lang="en-US" dirty="0"/>
+              <a:t>handled all of the above with </a:t>
+            </a:r>
+            <a:r>
+              <a:rPr lang="en-US" dirty="0" smtClean="0"/>
+              <a:t>0 </a:t>
+            </a:r>
+            <a:r>
+              <a:rPr lang="en-US" dirty="0"/>
+              <a:t>Network Ops Centers and some 70 operations engineers, who were all software engineers focusing on writing tools that enabled other software developers to focus on things they were good at.</a:t>
             </a:r>
           </a:p>
         </p:txBody>
@@ -4578,8 +4596,12 @@
           </a:p>
           <a:p>
             <a:r>
-              <a:rPr lang="en-US" dirty="0"/>
-              <a:t>And so they set out to make their cloud infrastructure more safe, secure, and available the DevOps way – by automating failure and continuous testing.</a:t>
+              <a:rPr lang="en-US" dirty="0" smtClean="0"/>
+              <a:t>So </a:t>
+            </a:r>
+            <a:r>
+              <a:rPr lang="en-US" dirty="0"/>
+              <a:t>they set out to make their cloud infrastructure more safe, secure, and available the DevOps way – by automating failure and continuous testing.</a:t>
             </a:r>
           </a:p>
         </p:txBody>
@@ -5852,6 +5874,13 @@
   <p:clrMapOvr>
     <a:masterClrMapping/>
   </p:clrMapOvr>
+  <p:timing>
+    <p:tnLst>
+      <p:par>
+        <p:cTn id="1" dur="indefinite" restart="never" nodeType="tmRoot"/>
+      </p:par>
+    </p:tnLst>
+  </p:timing>
 </p:sld>
 </file>
 
@@ -6337,13 +6366,35 @@
           <a:p>
             <a:r>
               <a:rPr lang="en-US" dirty="0"/>
-              <a:t>Titus served as a standard deployment unit and a generic batch job scheduling system. It helped Netflix expand support to growing batch use cases. </a:t>
-            </a:r>
-          </a:p>
-          <a:p>
-            <a:r>
-              <a:rPr lang="en-US" dirty="0"/>
-              <a:t>Batch users could also put together sophisticated infrastructure quickly and pack larger instances across many workloads efficiently. Batch users could immediately schedule locally developed code for scaled execution on Titus</a:t>
+              <a:t>Titus served as a standard deployment unit and a generic batch job scheduling system. </a:t>
+            </a:r>
+            <a:endParaRPr lang="en-US" dirty="0" smtClean="0"/>
+          </a:p>
+          <a:p>
+            <a:r>
+              <a:rPr lang="en-US" dirty="0" smtClean="0"/>
+              <a:t>It </a:t>
+            </a:r>
+            <a:r>
+              <a:rPr lang="en-US" dirty="0"/>
+              <a:t>helped Netflix expand support to growing batch use cases. </a:t>
+            </a:r>
+          </a:p>
+          <a:p>
+            <a:r>
+              <a:rPr lang="en-US" dirty="0"/>
+              <a:t>Batch users could also put together sophisticated infrastructure quickly and pack larger instances across many workloads efficiently. </a:t>
+            </a:r>
+            <a:endParaRPr lang="en-US" dirty="0" smtClean="0"/>
+          </a:p>
+          <a:p>
+            <a:r>
+              <a:rPr lang="en-US" dirty="0" smtClean="0"/>
+              <a:t>Batch </a:t>
+            </a:r>
+            <a:r>
+              <a:rPr lang="en-US" dirty="0"/>
+              <a:t>users could immediately schedule locally developed code for scaled execution on Titus</a:t>
             </a:r>
             <a:r>
               <a:rPr lang="en-US" dirty="0" smtClean="0"/>
@@ -8181,7 +8232,6 @@
               <a:rPr lang="en-US" dirty="0"/>
               <a:t>Netflix wants its engineers to do fun, exciting things and develop new features to delight its customers with reduced time-to-market.</a:t>
             </a:r>
-            <a:endParaRPr lang="en-US" dirty="0"/>
           </a:p>
         </p:txBody>
       </p:sp>
